--- a/docs/songs/o praise the name.pptx
+++ b/docs/songs/o praise the name.pptx
@@ -10,7 +10,9 @@
     <p:sldId id="484" r:id="rId4"/>
     <p:sldId id="635" r:id="rId5"/>
     <p:sldId id="636" r:id="rId6"/>
-    <p:sldId id="637" r:id="rId7"/>
+    <p:sldId id="638" r:id="rId7"/>
+    <p:sldId id="637" r:id="rId8"/>
+    <p:sldId id="639" r:id="rId9"/>
   </p:sldIdLst>
   <p:sldSz cx="9144000" cy="6858000" type="screen4x3"/>
   <p:notesSz cx="6858000" cy="9144000"/>
@@ -310,7 +312,7 @@
             <a:fld id="{26EA1CF3-4A15-4CBF-9A5A-6A56C368BE71}" type="datetimeFigureOut">
               <a:rPr lang="en-GB" smtClean="0"/>
               <a:pPr/>
-              <a:t>03/10/2022</a:t>
+              <a:t>06/01/2025</a:t>
             </a:fld>
             <a:endParaRPr lang="en-GB"/>
           </a:p>
@@ -477,7 +479,7 @@
             <a:fld id="{26EA1CF3-4A15-4CBF-9A5A-6A56C368BE71}" type="datetimeFigureOut">
               <a:rPr lang="en-GB" smtClean="0"/>
               <a:pPr/>
-              <a:t>03/10/2022</a:t>
+              <a:t>06/01/2025</a:t>
             </a:fld>
             <a:endParaRPr lang="en-GB"/>
           </a:p>
@@ -654,7 +656,7 @@
             <a:fld id="{26EA1CF3-4A15-4CBF-9A5A-6A56C368BE71}" type="datetimeFigureOut">
               <a:rPr lang="en-GB" smtClean="0"/>
               <a:pPr/>
-              <a:t>03/10/2022</a:t>
+              <a:t>06/01/2025</a:t>
             </a:fld>
             <a:endParaRPr lang="en-GB"/>
           </a:p>
@@ -821,7 +823,7 @@
             <a:fld id="{26EA1CF3-4A15-4CBF-9A5A-6A56C368BE71}" type="datetimeFigureOut">
               <a:rPr lang="en-GB" smtClean="0"/>
               <a:pPr/>
-              <a:t>03/10/2022</a:t>
+              <a:t>06/01/2025</a:t>
             </a:fld>
             <a:endParaRPr lang="en-GB"/>
           </a:p>
@@ -1064,7 +1066,7 @@
             <a:fld id="{26EA1CF3-4A15-4CBF-9A5A-6A56C368BE71}" type="datetimeFigureOut">
               <a:rPr lang="en-GB" smtClean="0"/>
               <a:pPr/>
-              <a:t>03/10/2022</a:t>
+              <a:t>06/01/2025</a:t>
             </a:fld>
             <a:endParaRPr lang="en-GB"/>
           </a:p>
@@ -1349,7 +1351,7 @@
             <a:fld id="{26EA1CF3-4A15-4CBF-9A5A-6A56C368BE71}" type="datetimeFigureOut">
               <a:rPr lang="en-GB" smtClean="0"/>
               <a:pPr/>
-              <a:t>03/10/2022</a:t>
+              <a:t>06/01/2025</a:t>
             </a:fld>
             <a:endParaRPr lang="en-GB"/>
           </a:p>
@@ -1768,7 +1770,7 @@
             <a:fld id="{26EA1CF3-4A15-4CBF-9A5A-6A56C368BE71}" type="datetimeFigureOut">
               <a:rPr lang="en-GB" smtClean="0"/>
               <a:pPr/>
-              <a:t>03/10/2022</a:t>
+              <a:t>06/01/2025</a:t>
             </a:fld>
             <a:endParaRPr lang="en-GB"/>
           </a:p>
@@ -1883,7 +1885,7 @@
             <a:fld id="{26EA1CF3-4A15-4CBF-9A5A-6A56C368BE71}" type="datetimeFigureOut">
               <a:rPr lang="en-GB" smtClean="0"/>
               <a:pPr/>
-              <a:t>03/10/2022</a:t>
+              <a:t>06/01/2025</a:t>
             </a:fld>
             <a:endParaRPr lang="en-GB"/>
           </a:p>
@@ -1975,7 +1977,7 @@
             <a:fld id="{26EA1CF3-4A15-4CBF-9A5A-6A56C368BE71}" type="datetimeFigureOut">
               <a:rPr lang="en-GB" smtClean="0"/>
               <a:pPr/>
-              <a:t>03/10/2022</a:t>
+              <a:t>06/01/2025</a:t>
             </a:fld>
             <a:endParaRPr lang="en-GB"/>
           </a:p>
@@ -2249,7 +2251,7 @@
             <a:fld id="{26EA1CF3-4A15-4CBF-9A5A-6A56C368BE71}" type="datetimeFigureOut">
               <a:rPr lang="en-GB" smtClean="0"/>
               <a:pPr/>
-              <a:t>03/10/2022</a:t>
+              <a:t>06/01/2025</a:t>
             </a:fld>
             <a:endParaRPr lang="en-GB"/>
           </a:p>
@@ -2499,7 +2501,7 @@
             <a:fld id="{26EA1CF3-4A15-4CBF-9A5A-6A56C368BE71}" type="datetimeFigureOut">
               <a:rPr lang="en-GB" smtClean="0"/>
               <a:pPr/>
-              <a:t>03/10/2022</a:t>
+              <a:t>06/01/2025</a:t>
             </a:fld>
             <a:endParaRPr lang="en-GB"/>
           </a:p>
@@ -2712,7 +2714,7 @@
             <a:fld id="{26EA1CF3-4A15-4CBF-9A5A-6A56C368BE71}" type="datetimeFigureOut">
               <a:rPr lang="en-GB" smtClean="0"/>
               <a:pPr/>
-              <a:t>03/10/2022</a:t>
+              <a:t>06/01/2025</a:t>
             </a:fld>
             <a:endParaRPr lang="en-GB"/>
           </a:p>
@@ -3367,7 +3369,7 @@
                   <a:schemeClr val="bg1"/>
                 </a:solidFill>
               </a:rPr>
-              <a:t>1/5</a:t>
+              <a:t>1/7</a:t>
             </a:r>
           </a:p>
         </p:txBody>
@@ -3493,7 +3495,7 @@
                   <a:schemeClr val="bg1"/>
                 </a:solidFill>
               </a:rPr>
-              <a:t>2/5</a:t>
+              <a:t>2/7</a:t>
             </a:r>
           </a:p>
         </p:txBody>
@@ -3619,7 +3621,7 @@
                   <a:schemeClr val="bg1"/>
                 </a:solidFill>
               </a:rPr>
-              <a:t>3/5</a:t>
+              <a:t>3/7</a:t>
             </a:r>
           </a:p>
         </p:txBody>
@@ -3745,7 +3747,7 @@
                   <a:schemeClr val="bg1"/>
                 </a:solidFill>
               </a:rPr>
-              <a:t>4/5</a:t>
+              <a:t>4/7</a:t>
             </a:r>
           </a:p>
         </p:txBody>
@@ -3768,6 +3770,150 @@
   <p:cSld>
     <p:spTree>
       <p:nvGrpSpPr>
+        <p:cNvPr id="1" name="">
+          <a:extLst>
+            <a:ext uri="{FF2B5EF4-FFF2-40B4-BE49-F238E27FC236}">
+              <a16:creationId xmlns:a16="http://schemas.microsoft.com/office/drawing/2014/main" id="{12272CE0-15F7-C258-B71C-10F5D003E4FA}"/>
+            </a:ext>
+          </a:extLst>
+        </p:cNvPr>
+        <p:cNvGrpSpPr/>
+        <p:nvPr/>
+      </p:nvGrpSpPr>
+      <p:grpSpPr>
+        <a:xfrm>
+          <a:off x="0" y="0"/>
+          <a:ext cx="0" cy="0"/>
+          <a:chOff x="0" y="0"/>
+          <a:chExt cx="0" cy="0"/>
+        </a:xfrm>
+      </p:grpSpPr>
+      <p:sp>
+        <p:nvSpPr>
+          <p:cNvPr id="3" name="Subtitle 2">
+            <a:extLst>
+              <a:ext uri="{FF2B5EF4-FFF2-40B4-BE49-F238E27FC236}">
+                <a16:creationId xmlns:a16="http://schemas.microsoft.com/office/drawing/2014/main" id="{B0866333-1B0F-4891-11B4-87DF8C7A489F}"/>
+              </a:ext>
+            </a:extLst>
+          </p:cNvPr>
+          <p:cNvSpPr>
+            <a:spLocks noGrp="1"/>
+          </p:cNvSpPr>
+          <p:nvPr>
+            <p:ph type="subTitle" idx="1"/>
+          </p:nvPr>
+        </p:nvSpPr>
+        <p:spPr>
+          <a:xfrm>
+            <a:off x="179512" y="116632"/>
+            <a:ext cx="8784976" cy="6552728"/>
+          </a:xfrm>
+        </p:spPr>
+        <p:txBody>
+          <a:bodyPr>
+            <a:noAutofit/>
+          </a:bodyPr>
+          <a:lstStyle/>
+          <a:p>
+            <a:r>
+              <a:rPr lang="en-GB" sz="4400" dirty="0">
+                <a:solidFill>
+                  <a:schemeClr val="bg1"/>
+                </a:solidFill>
+              </a:rPr>
+              <a:t>O praise the Name of the Lord our God</a:t>
+            </a:r>
+          </a:p>
+          <a:p>
+            <a:r>
+              <a:rPr lang="en-GB" sz="4400" dirty="0">
+                <a:solidFill>
+                  <a:schemeClr val="bg1"/>
+                </a:solidFill>
+              </a:rPr>
+              <a:t>O praise His Name forevermore</a:t>
+            </a:r>
+          </a:p>
+          <a:p>
+            <a:r>
+              <a:rPr lang="en-GB" sz="4400" dirty="0">
+                <a:solidFill>
+                  <a:schemeClr val="bg1"/>
+                </a:solidFill>
+              </a:rPr>
+              <a:t>For endless days we will sing Your praise</a:t>
+            </a:r>
+          </a:p>
+          <a:p>
+            <a:r>
+              <a:rPr lang="en-GB" sz="4400" dirty="0">
+                <a:solidFill>
+                  <a:schemeClr val="bg1"/>
+                </a:solidFill>
+              </a:rPr>
+              <a:t>Oh Lord oh Lord our God</a:t>
+            </a:r>
+          </a:p>
+        </p:txBody>
+      </p:sp>
+      <p:sp>
+        <p:nvSpPr>
+          <p:cNvPr id="4" name="TextBox 3">
+            <a:extLst>
+              <a:ext uri="{FF2B5EF4-FFF2-40B4-BE49-F238E27FC236}">
+                <a16:creationId xmlns:a16="http://schemas.microsoft.com/office/drawing/2014/main" id="{6AAB2DEF-7081-CDEA-801D-743AA0BA9353}"/>
+              </a:ext>
+            </a:extLst>
+          </p:cNvPr>
+          <p:cNvSpPr txBox="1"/>
+          <p:nvPr/>
+        </p:nvSpPr>
+        <p:spPr>
+          <a:xfrm>
+            <a:off x="8529729" y="0"/>
+            <a:ext cx="628698" cy="461665"/>
+          </a:xfrm>
+          <a:prstGeom prst="rect">
+            <a:avLst/>
+          </a:prstGeom>
+          <a:noFill/>
+        </p:spPr>
+        <p:txBody>
+          <a:bodyPr wrap="none" rtlCol="0">
+            <a:spAutoFit/>
+          </a:bodyPr>
+          <a:lstStyle/>
+          <a:p>
+            <a:r>
+              <a:rPr lang="en-GB" sz="2400" b="1" dirty="0">
+                <a:solidFill>
+                  <a:schemeClr val="bg1"/>
+                </a:solidFill>
+              </a:rPr>
+              <a:t>5/7</a:t>
+            </a:r>
+          </a:p>
+        </p:txBody>
+      </p:sp>
+    </p:spTree>
+    <p:extLst>
+      <p:ext uri="{BB962C8B-B14F-4D97-AF65-F5344CB8AC3E}">
+        <p14:creationId xmlns:p14="http://schemas.microsoft.com/office/powerpoint/2010/main" val="352287780"/>
+      </p:ext>
+    </p:extLst>
+  </p:cSld>
+  <p:clrMapOvr>
+    <a:masterClrMapping/>
+  </p:clrMapOvr>
+</p:sld>
+</file>
+
+<file path=ppt/slides/slide7.xml><?xml version="1.0" encoding="utf-8"?>
+<p:sld xmlns:a="http://schemas.openxmlformats.org/drawingml/2006/main" xmlns:r="http://schemas.openxmlformats.org/officeDocument/2006/relationships" xmlns:p="http://schemas.openxmlformats.org/presentationml/2006/main">
+  <p:cSld>
+    <p:spTree>
+      <p:nvGrpSpPr>
         <p:cNvPr id="1" name=""/>
         <p:cNvGrpSpPr/>
         <p:nvPr/>
@@ -3871,7 +4017,7 @@
                   <a:schemeClr val="bg1"/>
                 </a:solidFill>
               </a:rPr>
-              <a:t>5/5</a:t>
+              <a:t>6/7</a:t>
             </a:r>
           </a:p>
         </p:txBody>
@@ -3880,6 +4026,150 @@
     <p:extLst>
       <p:ext uri="{BB962C8B-B14F-4D97-AF65-F5344CB8AC3E}">
         <p14:creationId xmlns:p14="http://schemas.microsoft.com/office/powerpoint/2010/main" val="4127685676"/>
+      </p:ext>
+    </p:extLst>
+  </p:cSld>
+  <p:clrMapOvr>
+    <a:masterClrMapping/>
+  </p:clrMapOvr>
+</p:sld>
+</file>
+
+<file path=ppt/slides/slide8.xml><?xml version="1.0" encoding="utf-8"?>
+<p:sld xmlns:a="http://schemas.openxmlformats.org/drawingml/2006/main" xmlns:r="http://schemas.openxmlformats.org/officeDocument/2006/relationships" xmlns:p="http://schemas.openxmlformats.org/presentationml/2006/main">
+  <p:cSld>
+    <p:spTree>
+      <p:nvGrpSpPr>
+        <p:cNvPr id="1" name="">
+          <a:extLst>
+            <a:ext uri="{FF2B5EF4-FFF2-40B4-BE49-F238E27FC236}">
+              <a16:creationId xmlns:a16="http://schemas.microsoft.com/office/drawing/2014/main" id="{A4D7DA22-A1D2-6B75-3AB5-54E04C740303}"/>
+            </a:ext>
+          </a:extLst>
+        </p:cNvPr>
+        <p:cNvGrpSpPr/>
+        <p:nvPr/>
+      </p:nvGrpSpPr>
+      <p:grpSpPr>
+        <a:xfrm>
+          <a:off x="0" y="0"/>
+          <a:ext cx="0" cy="0"/>
+          <a:chOff x="0" y="0"/>
+          <a:chExt cx="0" cy="0"/>
+        </a:xfrm>
+      </p:grpSpPr>
+      <p:sp>
+        <p:nvSpPr>
+          <p:cNvPr id="3" name="Subtitle 2">
+            <a:extLst>
+              <a:ext uri="{FF2B5EF4-FFF2-40B4-BE49-F238E27FC236}">
+                <a16:creationId xmlns:a16="http://schemas.microsoft.com/office/drawing/2014/main" id="{180B0835-2764-8EAA-1566-997F610E8202}"/>
+              </a:ext>
+            </a:extLst>
+          </p:cNvPr>
+          <p:cNvSpPr>
+            <a:spLocks noGrp="1"/>
+          </p:cNvSpPr>
+          <p:nvPr>
+            <p:ph type="subTitle" idx="1"/>
+          </p:nvPr>
+        </p:nvSpPr>
+        <p:spPr>
+          <a:xfrm>
+            <a:off x="179512" y="116632"/>
+            <a:ext cx="8784976" cy="6552728"/>
+          </a:xfrm>
+        </p:spPr>
+        <p:txBody>
+          <a:bodyPr>
+            <a:noAutofit/>
+          </a:bodyPr>
+          <a:lstStyle/>
+          <a:p>
+            <a:r>
+              <a:rPr lang="en-GB" sz="4400" dirty="0">
+                <a:solidFill>
+                  <a:schemeClr val="bg1"/>
+                </a:solidFill>
+              </a:rPr>
+              <a:t>O praise the Name of the Lord our God</a:t>
+            </a:r>
+          </a:p>
+          <a:p>
+            <a:r>
+              <a:rPr lang="en-GB" sz="4400" dirty="0">
+                <a:solidFill>
+                  <a:schemeClr val="bg1"/>
+                </a:solidFill>
+              </a:rPr>
+              <a:t>O praise His Name forevermore</a:t>
+            </a:r>
+          </a:p>
+          <a:p>
+            <a:r>
+              <a:rPr lang="en-GB" sz="4400" dirty="0">
+                <a:solidFill>
+                  <a:schemeClr val="bg1"/>
+                </a:solidFill>
+              </a:rPr>
+              <a:t>For endless days we will sing Your praise</a:t>
+            </a:r>
+          </a:p>
+          <a:p>
+            <a:r>
+              <a:rPr lang="en-GB" sz="4400" dirty="0">
+                <a:solidFill>
+                  <a:schemeClr val="bg1"/>
+                </a:solidFill>
+              </a:rPr>
+              <a:t>Oh Lord oh Lord our God</a:t>
+            </a:r>
+          </a:p>
+        </p:txBody>
+      </p:sp>
+      <p:sp>
+        <p:nvSpPr>
+          <p:cNvPr id="4" name="TextBox 3">
+            <a:extLst>
+              <a:ext uri="{FF2B5EF4-FFF2-40B4-BE49-F238E27FC236}">
+                <a16:creationId xmlns:a16="http://schemas.microsoft.com/office/drawing/2014/main" id="{00FE015F-D3F1-1B1F-1CDA-DC6357C65EC4}"/>
+              </a:ext>
+            </a:extLst>
+          </p:cNvPr>
+          <p:cNvSpPr txBox="1"/>
+          <p:nvPr/>
+        </p:nvSpPr>
+        <p:spPr>
+          <a:xfrm>
+            <a:off x="8529729" y="0"/>
+            <a:ext cx="628698" cy="461665"/>
+          </a:xfrm>
+          <a:prstGeom prst="rect">
+            <a:avLst/>
+          </a:prstGeom>
+          <a:noFill/>
+        </p:spPr>
+        <p:txBody>
+          <a:bodyPr wrap="none" rtlCol="0">
+            <a:spAutoFit/>
+          </a:bodyPr>
+          <a:lstStyle/>
+          <a:p>
+            <a:r>
+              <a:rPr lang="en-GB" sz="2400" b="1" dirty="0">
+                <a:solidFill>
+                  <a:schemeClr val="bg1"/>
+                </a:solidFill>
+              </a:rPr>
+              <a:t>7/7</a:t>
+            </a:r>
+          </a:p>
+        </p:txBody>
+      </p:sp>
+    </p:spTree>
+    <p:extLst>
+      <p:ext uri="{BB962C8B-B14F-4D97-AF65-F5344CB8AC3E}">
+        <p14:creationId xmlns:p14="http://schemas.microsoft.com/office/powerpoint/2010/main" val="2980858850"/>
       </p:ext>
     </p:extLst>
   </p:cSld>
